--- a/20_presentations/SuperKiGaV JourFix4.pptx
+++ b/20_presentations/SuperKiGaV JourFix4.pptx
@@ -199,7 +199,7 @@
             <a:fld id="{AD479646-CC60-4E6F-AF7A-73A17E4972BE}" type="datetimeFigureOut">
               <a:rPr lang="de-DE" smtClean="0"/>
               <a:pPr/>
-              <a:t>22.06.2011</a:t>
+              <a:t>23.06.2011</a:t>
             </a:fld>
             <a:endParaRPr lang="de-DE"/>
           </a:p>
@@ -3494,11 +3494,7 @@
             </a:br>
             <a:r>
               <a:rPr lang="de-DE" dirty="0" smtClean="0"/>
-              <a:t>Jour fixe </a:t>
-            </a:r>
-            <a:r>
-              <a:rPr lang="de-DE" dirty="0" smtClean="0"/>
-              <a:t>#4</a:t>
+              <a:t>Jour fixe #4</a:t>
             </a:r>
             <a:endParaRPr lang="de-DE" dirty="0"/>
           </a:p>
@@ -3585,17 +3581,7 @@
                   </a:schemeClr>
                 </a:solidFill>
               </a:rPr>
-              <a:t> Technische </a:t>
-            </a:r>
-            <a:r>
-              <a:rPr lang="de-DE" sz="2800" dirty="0" smtClean="0">
-                <a:solidFill>
-                  <a:schemeClr val="bg1">
-                    <a:lumMod val="50000"/>
-                  </a:schemeClr>
-                </a:solidFill>
-              </a:rPr>
-              <a:t>Architektur</a:t>
+              <a:t> Technische Architektur</a:t>
             </a:r>
           </a:p>
           <a:p>
@@ -3709,13 +3695,6 @@
               </a:rPr>
               <a:t>Vorführung</a:t>
             </a:r>
-            <a:endParaRPr lang="de-DE" sz="2800" dirty="0" smtClean="0">
-              <a:solidFill>
-                <a:schemeClr val="bg1">
-                  <a:lumMod val="50000"/>
-                </a:schemeClr>
-              </a:solidFill>
-            </a:endParaRPr>
           </a:p>
         </p:txBody>
       </p:sp>
@@ -3801,10 +3780,6 @@
             <a:r>
               <a:rPr lang="de-DE" dirty="0" smtClean="0"/>
               <a:t>Technische Architektur </a:t>
-            </a:r>
-            <a:r>
-              <a:rPr lang="de-DE" dirty="0" smtClean="0"/>
-              <a:t/>
             </a:r>
             <a:br>
               <a:rPr lang="de-DE" dirty="0" smtClean="0"/>
@@ -3955,10 +3930,33 @@
         </p:nvSpPr>
         <p:spPr/>
         <p:txBody>
-          <a:bodyPr/>
-          <a:lstStyle/>
-          <a:p>
-            <a:endParaRPr lang="de-DE"/>
+          <a:bodyPr>
+            <a:normAutofit fontScale="90000"/>
+          </a:bodyPr>
+          <a:lstStyle/>
+          <a:p>
+            <a:r>
+              <a:rPr lang="de-DE" dirty="0" smtClean="0"/>
+              <a:t>Architektur </a:t>
+            </a:r>
+            <a:r>
+              <a:rPr lang="de-DE" dirty="0"/>
+              <a:t/>
+            </a:r>
+            <a:br>
+              <a:rPr lang="de-DE" dirty="0"/>
+            </a:br>
+            <a:r>
+              <a:rPr lang="de-DE" dirty="0" smtClean="0">
+                <a:solidFill>
+                  <a:schemeClr val="bg1">
+                    <a:lumMod val="50000"/>
+                  </a:schemeClr>
+                </a:solidFill>
+              </a:rPr>
+              <a:t>Beispiel</a:t>
+            </a:r>
+            <a:endParaRPr lang="de-DE" dirty="0"/>
           </a:p>
         </p:txBody>
       </p:sp>
@@ -4112,17 +4110,7 @@
                   </a:schemeClr>
                 </a:solidFill>
               </a:rPr>
-              <a:t> </a:t>
-            </a:r>
-            <a:r>
-              <a:rPr lang="de-DE" dirty="0" smtClean="0">
-                <a:solidFill>
-                  <a:schemeClr val="bg1">
-                    <a:lumMod val="50000"/>
-                  </a:schemeClr>
-                </a:solidFill>
-              </a:rPr>
-              <a:t>Übersicht Client</a:t>
+              <a:t> Übersicht Client</a:t>
             </a:r>
             <a:endParaRPr lang="de-DE" dirty="0"/>
           </a:p>
@@ -4295,15 +4283,7 @@
           <a:p>
             <a:r>
               <a:rPr lang="de-DE" dirty="0" smtClean="0"/>
-              <a:t>Fachliche</a:t>
-            </a:r>
-            <a:r>
-              <a:rPr lang="de-DE" dirty="0" smtClean="0"/>
-              <a:t> </a:t>
-            </a:r>
-            <a:r>
-              <a:rPr lang="de-DE" dirty="0" smtClean="0"/>
-              <a:t>Architektur</a:t>
+              <a:t>Fachliche Architektur</a:t>
             </a:r>
             <a:br>
               <a:rPr lang="de-DE" dirty="0" smtClean="0"/>
@@ -4316,17 +4296,7 @@
                   </a:schemeClr>
                 </a:solidFill>
               </a:rPr>
-              <a:t> </a:t>
-            </a:r>
-            <a:r>
-              <a:rPr lang="de-DE" dirty="0" smtClean="0">
-                <a:solidFill>
-                  <a:schemeClr val="bg1">
-                    <a:lumMod val="50000"/>
-                  </a:schemeClr>
-                </a:solidFill>
-              </a:rPr>
-              <a:t>Client </a:t>
+              <a:t> Client </a:t>
             </a:r>
             <a:endParaRPr lang="de-DE" dirty="0"/>
           </a:p>
@@ -4381,7 +4351,7 @@
       </p:sp>
       <p:pic>
         <p:nvPicPr>
-          <p:cNvPr id="3074" name="Picture 2"/>
+          <p:cNvPr id="1026" name="Picture 2"/>
           <p:cNvPicPr>
             <a:picLocks noChangeAspect="1" noChangeArrowheads="1"/>
           </p:cNvPicPr>
@@ -4402,8 +4372,8 @@
         </p:blipFill>
         <p:spPr bwMode="auto">
           <a:xfrm>
-            <a:off x="899592" y="1268760"/>
-            <a:ext cx="7445378" cy="5465132"/>
+            <a:off x="899592" y="1151244"/>
+            <a:ext cx="7484888" cy="5494134"/>
           </a:xfrm>
           <a:prstGeom prst="rect">
             <a:avLst/>
@@ -4499,15 +4469,7 @@
           <a:p>
             <a:r>
               <a:rPr lang="de-DE" dirty="0" smtClean="0"/>
-              <a:t>Fachliche</a:t>
-            </a:r>
-            <a:r>
-              <a:rPr lang="de-DE" dirty="0" smtClean="0"/>
-              <a:t> </a:t>
-            </a:r>
-            <a:r>
-              <a:rPr lang="de-DE" dirty="0" smtClean="0"/>
-              <a:t>Architektur</a:t>
+              <a:t>Fachliche Architektur</a:t>
             </a:r>
             <a:br>
               <a:rPr lang="de-DE" dirty="0" smtClean="0"/>
@@ -4520,17 +4482,7 @@
                   </a:schemeClr>
                 </a:solidFill>
               </a:rPr>
-              <a:t> </a:t>
-            </a:r>
-            <a:r>
-              <a:rPr lang="de-DE" dirty="0" smtClean="0">
-                <a:solidFill>
-                  <a:schemeClr val="bg1">
-                    <a:lumMod val="50000"/>
-                  </a:schemeClr>
-                </a:solidFill>
-              </a:rPr>
-              <a:t>Client </a:t>
+              <a:t> Client </a:t>
             </a:r>
             <a:endParaRPr lang="de-DE" dirty="0"/>
           </a:p>
